--- a/Machine Learning 101.pptx
+++ b/Machine Learning 101.pptx
@@ -5,10 +5,10 @@
     <p:sldMasterId id="2147483744" r:id="rId4"/>
   </p:sldMasterIdLst>
   <p:notesMasterIdLst>
-    <p:notesMasterId r:id="rId15"/>
+    <p:notesMasterId r:id="rId16"/>
   </p:notesMasterIdLst>
   <p:handoutMasterIdLst>
-    <p:handoutMasterId r:id="rId16"/>
+    <p:handoutMasterId r:id="rId17"/>
   </p:handoutMasterIdLst>
   <p:sldIdLst>
     <p:sldId id="256" r:id="rId5"/>
@@ -20,7 +20,8 @@
     <p:sldId id="279" r:id="rId11"/>
     <p:sldId id="283" r:id="rId12"/>
     <p:sldId id="280" r:id="rId13"/>
-    <p:sldId id="274" r:id="rId14"/>
+    <p:sldId id="285" r:id="rId14"/>
+    <p:sldId id="274" r:id="rId15"/>
   </p:sldIdLst>
   <p:sldSz cx="12192000" cy="6858000"/>
   <p:notesSz cx="6858000" cy="9144000"/>
@@ -235,7 +236,7 @@
           <a:p>
             <a:fld id="{866D81A9-CFC2-4640-899E-DD3E177BE50A}" type="datetimeFigureOut">
               <a:rPr lang="en-US" smtClean="0"/>
-              <a:t>9/8/2019</a:t>
+              <a:t>9/14/2019</a:t>
             </a:fld>
             <a:endParaRPr lang="en-US" dirty="0"/>
           </a:p>
@@ -412,7 +413,7 @@
           <a:p>
             <a:fld id="{AA1E50F4-C55A-473A-A70B-4B042EF011A9}" type="datetimeFigureOut">
               <a:rPr lang="en-US" smtClean="0"/>
-              <a:t>9/8/2019</a:t>
+              <a:t>9/14/2019</a:t>
             </a:fld>
             <a:endParaRPr lang="en-US" dirty="0"/>
           </a:p>
@@ -828,7 +829,7 @@
           <a:p>
             <a:fld id="{F3544625-0ADF-4414-89A2-9E135F0C849F}" type="slidenum">
               <a:rPr lang="en-US" smtClean="0"/>
-              <a:t>10</a:t>
+              <a:t>11</a:t>
             </a:fld>
             <a:endParaRPr lang="en-US" dirty="0"/>
           </a:p>
@@ -1077,7 +1078,7 @@
             <a:fld id="{87DE6118-2437-4B30-8E3C-4D2BE6020583}" type="datetimeFigureOut">
               <a:rPr lang="en-US" smtClean="0"/>
               <a:pPr/>
-              <a:t>9/8/2019</a:t>
+              <a:t>9/14/2019</a:t>
             </a:fld>
             <a:endParaRPr lang="en-US" dirty="0"/>
           </a:p>
@@ -1413,7 +1414,7 @@
             <a:fld id="{87DE6118-2437-4B30-8E3C-4D2BE6020583}" type="datetimeFigureOut">
               <a:rPr lang="en-US" smtClean="0"/>
               <a:pPr/>
-              <a:t>9/8/2019</a:t>
+              <a:t>9/14/2019</a:t>
             </a:fld>
             <a:endParaRPr lang="en-US" dirty="0"/>
           </a:p>
@@ -1693,7 +1694,7 @@
             <a:fld id="{87DE6118-2437-4B30-8E3C-4D2BE6020583}" type="datetimeFigureOut">
               <a:rPr lang="en-US" smtClean="0"/>
               <a:pPr/>
-              <a:t>9/8/2019</a:t>
+              <a:t>9/14/2019</a:t>
             </a:fld>
             <a:endParaRPr lang="en-US" dirty="0"/>
           </a:p>
@@ -2263,7 +2264,7 @@
             <a:fld id="{87DE6118-2437-4B30-8E3C-4D2BE6020583}" type="datetimeFigureOut">
               <a:rPr lang="en-US" smtClean="0"/>
               <a:pPr/>
-              <a:t>9/8/2019</a:t>
+              <a:t>9/14/2019</a:t>
             </a:fld>
             <a:endParaRPr lang="en-US" dirty="0"/>
           </a:p>
@@ -2543,7 +2544,7 @@
             <a:fld id="{87DE6118-2437-4B30-8E3C-4D2BE6020583}" type="datetimeFigureOut">
               <a:rPr lang="en-US" smtClean="0"/>
               <a:pPr/>
-              <a:t>9/8/2019</a:t>
+              <a:t>9/14/2019</a:t>
             </a:fld>
             <a:endParaRPr lang="en-US" dirty="0"/>
           </a:p>
@@ -3107,7 +3108,7 @@
             <a:fld id="{87DE6118-2437-4B30-8E3C-4D2BE6020583}" type="datetimeFigureOut">
               <a:rPr lang="en-US" smtClean="0"/>
               <a:pPr/>
-              <a:t>9/8/2019</a:t>
+              <a:t>9/14/2019</a:t>
             </a:fld>
             <a:endParaRPr lang="en-US" dirty="0"/>
           </a:p>
@@ -3436,7 +3437,7 @@
             <a:fld id="{87DE6118-2437-4B30-8E3C-4D2BE6020583}" type="datetimeFigureOut">
               <a:rPr lang="en-US" smtClean="0"/>
               <a:pPr/>
-              <a:t>9/8/2019</a:t>
+              <a:t>9/14/2019</a:t>
             </a:fld>
             <a:endParaRPr lang="en-US" dirty="0"/>
           </a:p>
@@ -3642,7 +3643,7 @@
           <a:p>
             <a:fld id="{87DE6118-2437-4B30-8E3C-4D2BE6020583}" type="datetimeFigureOut">
               <a:rPr lang="en-US" smtClean="0"/>
-              <a:t>9/8/2019</a:t>
+              <a:t>9/14/2019</a:t>
             </a:fld>
             <a:endParaRPr lang="en-US" dirty="0"/>
           </a:p>
@@ -3852,7 +3853,7 @@
           <a:p>
             <a:fld id="{87DE6118-2437-4B30-8E3C-4D2BE6020583}" type="datetimeFigureOut">
               <a:rPr lang="en-US" smtClean="0"/>
-              <a:t>9/8/2019</a:t>
+              <a:t>9/14/2019</a:t>
             </a:fld>
             <a:endParaRPr lang="en-US" dirty="0"/>
           </a:p>
@@ -4052,7 +4053,7 @@
           <a:p>
             <a:fld id="{87DE6118-2437-4B30-8E3C-4D2BE6020583}" type="datetimeFigureOut">
               <a:rPr lang="en-US" smtClean="0"/>
-              <a:t>9/8/2019</a:t>
+              <a:t>9/14/2019</a:t>
             </a:fld>
             <a:endParaRPr lang="en-US" dirty="0"/>
           </a:p>
@@ -4329,7 +4330,7 @@
             <a:fld id="{87DE6118-2437-4B30-8E3C-4D2BE6020583}" type="datetimeFigureOut">
               <a:rPr lang="en-US" smtClean="0"/>
               <a:pPr/>
-              <a:t>9/8/2019</a:t>
+              <a:t>9/14/2019</a:t>
             </a:fld>
             <a:endParaRPr lang="en-US" dirty="0"/>
           </a:p>
@@ -4596,7 +4597,7 @@
           <a:p>
             <a:fld id="{87DE6118-2437-4B30-8E3C-4D2BE6020583}" type="datetimeFigureOut">
               <a:rPr lang="en-US" smtClean="0"/>
-              <a:t>9/8/2019</a:t>
+              <a:t>9/14/2019</a:t>
             </a:fld>
             <a:endParaRPr lang="en-US" dirty="0"/>
           </a:p>
@@ -4970,7 +4971,7 @@
           <a:p>
             <a:fld id="{87DE6118-2437-4B30-8E3C-4D2BE6020583}" type="datetimeFigureOut">
               <a:rPr lang="en-US" smtClean="0"/>
-              <a:t>9/8/2019</a:t>
+              <a:t>9/14/2019</a:t>
             </a:fld>
             <a:endParaRPr lang="en-US" dirty="0"/>
           </a:p>
@@ -5118,7 +5119,7 @@
           <a:p>
             <a:fld id="{87DE6118-2437-4B30-8E3C-4D2BE6020583}" type="datetimeFigureOut">
               <a:rPr lang="en-US" smtClean="0"/>
-              <a:t>9/8/2019</a:t>
+              <a:t>9/14/2019</a:t>
             </a:fld>
             <a:endParaRPr lang="en-US" dirty="0"/>
           </a:p>
@@ -5243,7 +5244,7 @@
           <a:p>
             <a:fld id="{87DE6118-2437-4B30-8E3C-4D2BE6020583}" type="datetimeFigureOut">
               <a:rPr lang="en-US" smtClean="0"/>
-              <a:t>9/8/2019</a:t>
+              <a:t>9/14/2019</a:t>
             </a:fld>
             <a:endParaRPr lang="en-US" dirty="0"/>
           </a:p>
@@ -5529,7 +5530,7 @@
             <a:fld id="{87DE6118-2437-4B30-8E3C-4D2BE6020583}" type="datetimeFigureOut">
               <a:rPr lang="en-US" smtClean="0"/>
               <a:pPr/>
-              <a:t>9/8/2019</a:t>
+              <a:t>9/14/2019</a:t>
             </a:fld>
             <a:endParaRPr lang="en-US" dirty="0"/>
           </a:p>
@@ -5855,7 +5856,7 @@
             <a:fld id="{87DE6118-2437-4B30-8E3C-4D2BE6020583}" type="datetimeFigureOut">
               <a:rPr lang="en-US" smtClean="0"/>
               <a:pPr/>
-              <a:t>9/8/2019</a:t>
+              <a:t>9/14/2019</a:t>
             </a:fld>
             <a:endParaRPr lang="en-US" dirty="0"/>
           </a:p>
@@ -6071,7 +6072,7 @@
             <a:fld id="{87DE6118-2437-4B30-8E3C-4D2BE6020583}" type="datetimeFigureOut">
               <a:rPr lang="en-US" smtClean="0"/>
               <a:pPr/>
-              <a:t>9/8/2019</a:t>
+              <a:t>9/14/2019</a:t>
             </a:fld>
             <a:endParaRPr lang="en-US" dirty="0"/>
           </a:p>
@@ -6738,6 +6739,189 @@
           <a:chExt cx="0" cy="0"/>
         </a:xfrm>
       </p:grpSpPr>
+      <p:sp>
+        <p:nvSpPr>
+          <p:cNvPr id="2" name="Title 1">
+            <a:extLst>
+              <a:ext uri="{FF2B5EF4-FFF2-40B4-BE49-F238E27FC236}">
+                <a16:creationId xmlns:a16="http://schemas.microsoft.com/office/drawing/2014/main" id="{C74314E3-CD73-4E62-A656-43FBA43703DE}"/>
+              </a:ext>
+            </a:extLst>
+          </p:cNvPr>
+          <p:cNvSpPr>
+            <a:spLocks noGrp="1"/>
+          </p:cNvSpPr>
+          <p:nvPr>
+            <p:ph type="title"/>
+          </p:nvPr>
+        </p:nvSpPr>
+        <p:spPr/>
+        <p:txBody>
+          <a:bodyPr/>
+          <a:lstStyle/>
+          <a:p>
+            <a:r>
+              <a:rPr lang="en-US" altLang="zh-CN" dirty="0"/>
+              <a:t>Final results</a:t>
+            </a:r>
+            <a:endParaRPr lang="zh-CN" altLang="en-US" dirty="0"/>
+          </a:p>
+        </p:txBody>
+      </p:sp>
+      <p:sp>
+        <p:nvSpPr>
+          <p:cNvPr id="3" name="Content Placeholder 2">
+            <a:extLst>
+              <a:ext uri="{FF2B5EF4-FFF2-40B4-BE49-F238E27FC236}">
+                <a16:creationId xmlns:a16="http://schemas.microsoft.com/office/drawing/2014/main" id="{DF68B32E-9EA5-40B9-9027-E8B53EBEE51D}"/>
+              </a:ext>
+            </a:extLst>
+          </p:cNvPr>
+          <p:cNvSpPr>
+            <a:spLocks noGrp="1"/>
+          </p:cNvSpPr>
+          <p:nvPr>
+            <p:ph idx="1"/>
+          </p:nvPr>
+        </p:nvSpPr>
+        <p:spPr>
+          <a:xfrm>
+            <a:off x="685801" y="2142067"/>
+            <a:ext cx="10131425" cy="776979"/>
+          </a:xfrm>
+        </p:spPr>
+        <p:txBody>
+          <a:bodyPr/>
+          <a:lstStyle/>
+          <a:p>
+            <a:r>
+              <a:rPr lang="en-US" altLang="zh-CN" dirty="0"/>
+              <a:t>Through step resizing and dilation, I successfully retained the key pixel data inside an image.</a:t>
+            </a:r>
+            <a:endParaRPr lang="zh-CN" altLang="en-US" dirty="0"/>
+          </a:p>
+        </p:txBody>
+      </p:sp>
+      <p:pic>
+        <p:nvPicPr>
+          <p:cNvPr id="5" name="Picture 4">
+            <a:extLst>
+              <a:ext uri="{FF2B5EF4-FFF2-40B4-BE49-F238E27FC236}">
+                <a16:creationId xmlns:a16="http://schemas.microsoft.com/office/drawing/2014/main" id="{B880F083-1B2B-4114-9E20-6C74F7428675}"/>
+              </a:ext>
+            </a:extLst>
+          </p:cNvPr>
+          <p:cNvPicPr>
+            <a:picLocks noChangeAspect="1"/>
+          </p:cNvPicPr>
+          <p:nvPr/>
+        </p:nvPicPr>
+        <p:blipFill>
+          <a:blip r:embed="rId2"/>
+          <a:stretch>
+            <a:fillRect/>
+          </a:stretch>
+        </p:blipFill>
+        <p:spPr>
+          <a:xfrm>
+            <a:off x="685801" y="2905348"/>
+            <a:ext cx="3400900" cy="2067213"/>
+          </a:xfrm>
+          <a:prstGeom prst="rect">
+            <a:avLst/>
+          </a:prstGeom>
+        </p:spPr>
+      </p:pic>
+      <p:pic>
+        <p:nvPicPr>
+          <p:cNvPr id="6" name="Picture 5">
+            <a:extLst>
+              <a:ext uri="{FF2B5EF4-FFF2-40B4-BE49-F238E27FC236}">
+                <a16:creationId xmlns:a16="http://schemas.microsoft.com/office/drawing/2014/main" id="{DE5959C3-5589-4E7D-AF9F-B886E2E487DE}"/>
+              </a:ext>
+            </a:extLst>
+          </p:cNvPr>
+          <p:cNvPicPr>
+            <a:picLocks noChangeAspect="1"/>
+          </p:cNvPicPr>
+          <p:nvPr/>
+        </p:nvPicPr>
+        <p:blipFill>
+          <a:blip r:embed="rId3"/>
+          <a:stretch>
+            <a:fillRect/>
+          </a:stretch>
+        </p:blipFill>
+        <p:spPr>
+          <a:xfrm>
+            <a:off x="4197768" y="2905348"/>
+            <a:ext cx="2753109" cy="866896"/>
+          </a:xfrm>
+          <a:prstGeom prst="rect">
+            <a:avLst/>
+          </a:prstGeom>
+        </p:spPr>
+      </p:pic>
+      <p:pic>
+        <p:nvPicPr>
+          <p:cNvPr id="7" name="Picture 6">
+            <a:extLst>
+              <a:ext uri="{FF2B5EF4-FFF2-40B4-BE49-F238E27FC236}">
+                <a16:creationId xmlns:a16="http://schemas.microsoft.com/office/drawing/2014/main" id="{D2755EEE-AD0B-4210-81E2-15A7F1CB5EA3}"/>
+              </a:ext>
+            </a:extLst>
+          </p:cNvPr>
+          <p:cNvPicPr>
+            <a:picLocks noChangeAspect="1"/>
+          </p:cNvPicPr>
+          <p:nvPr/>
+        </p:nvPicPr>
+        <p:blipFill>
+          <a:blip r:embed="rId4"/>
+          <a:stretch>
+            <a:fillRect/>
+          </a:stretch>
+        </p:blipFill>
+        <p:spPr>
+          <a:xfrm>
+            <a:off x="7381300" y="2912762"/>
+            <a:ext cx="1448002" cy="838317"/>
+          </a:xfrm>
+          <a:prstGeom prst="rect">
+            <a:avLst/>
+          </a:prstGeom>
+        </p:spPr>
+      </p:pic>
+    </p:spTree>
+    <p:extLst>
+      <p:ext uri="{BB962C8B-B14F-4D97-AF65-F5344CB8AC3E}">
+        <p14:creationId xmlns:p14="http://schemas.microsoft.com/office/powerpoint/2010/main" val="2125256539"/>
+      </p:ext>
+    </p:extLst>
+  </p:cSld>
+  <p:clrMapOvr>
+    <a:masterClrMapping/>
+  </p:clrMapOvr>
+</p:sld>
+</file>
+
+<file path=ppt/slides/slide11.xml><?xml version="1.0" encoding="utf-8"?>
+<p:sld xmlns:a="http://schemas.openxmlformats.org/drawingml/2006/main" xmlns:r="http://schemas.openxmlformats.org/officeDocument/2006/relationships" xmlns:p="http://schemas.openxmlformats.org/presentationml/2006/main">
+  <p:cSld>
+    <p:spTree>
+      <p:nvGrpSpPr>
+        <p:cNvPr id="1" name=""/>
+        <p:cNvGrpSpPr/>
+        <p:nvPr/>
+      </p:nvGrpSpPr>
+      <p:grpSpPr>
+        <a:xfrm>
+          <a:off x="0" y="0"/>
+          <a:ext cx="0" cy="0"/>
+          <a:chOff x="0" y="0"/>
+          <a:chExt cx="0" cy="0"/>
+        </a:xfrm>
+      </p:grpSpPr>
       <p:pic>
         <p:nvPicPr>
           <p:cNvPr id="5" name="Picture 4" descr="light spots">
@@ -6938,7 +7122,7 @@
           <a:p>
             <a:r>
               <a:rPr lang="en-US" dirty="0"/>
-              <a:t>Therefore, I started this simple OCR project.</a:t>
+              <a:t>OCRs are extremely powerful. However, many OCRs suffer from misrecognition of distorted images, to counter this problem, I chose to use machine-learning technology to create this simple OCR project.</a:t>
             </a:r>
           </a:p>
         </p:txBody>
@@ -11695,7 +11879,7 @@
           <a:p>
             <a:r>
               <a:rPr lang="en-US" dirty="0"/>
-              <a:t>Therefore, I tried to convert the input image into a duo chrome image (ONLY WHITE AND BLACK)</a:t>
+              <a:t>Therefore, I rewrote my preprocessing algorithm with OpenCV2</a:t>
             </a:r>
           </a:p>
         </p:txBody>
@@ -12794,20 +12978,20 @@
 </file>
 
 <file path=customXml/item2.xml><?xml version="1.0" encoding="utf-8"?>
-<p:properties xmlns:p="http://schemas.microsoft.com/office/2006/metadata/properties" xmlns:xsi="http://www.w3.org/2001/XMLSchema-instance" xmlns:pc="http://schemas.microsoft.com/office/infopath/2007/PartnerControls">
-  <documentManagement>
-    <MediaServiceKeyPoints xmlns="71af3243-3dd4-4a8d-8c0d-dd76da1f02a5" xsi:nil="true"/>
-  </documentManagement>
-</p:properties>
-</file>
-
-<file path=customXml/item3.xml><?xml version="1.0" encoding="utf-8"?>
 <?mso-contentType ?>
 <FormTemplates xmlns="http://schemas.microsoft.com/sharepoint/v3/contenttype/forms">
   <Display>DocumentLibraryForm</Display>
   <Edit>DocumentLibraryForm</Edit>
   <New>DocumentLibraryForm</New>
 </FormTemplates>
+</file>
+
+<file path=customXml/item3.xml><?xml version="1.0" encoding="utf-8"?>
+<p:properties xmlns:p="http://schemas.microsoft.com/office/2006/metadata/properties" xmlns:xsi="http://www.w3.org/2001/XMLSchema-instance" xmlns:pc="http://schemas.microsoft.com/office/infopath/2007/PartnerControls">
+  <documentManagement>
+    <MediaServiceKeyPoints xmlns="71af3243-3dd4-4a8d-8c0d-dd76da1f02a5" xsi:nil="true"/>
+  </documentManagement>
+</p:properties>
 </file>
 
 <file path=customXml/itemProps1.xml><?xml version="1.0" encoding="utf-8"?>
@@ -12830,6 +13014,14 @@
 </file>
 
 <file path=customXml/itemProps2.xml><?xml version="1.0" encoding="utf-8"?>
+<ds:datastoreItem xmlns:ds="http://schemas.openxmlformats.org/officeDocument/2006/customXml" ds:itemID="{CE12C2FA-3740-4055-BA8A-74A1458F4A51}">
+  <ds:schemaRefs>
+    <ds:schemaRef ds:uri="http://schemas.microsoft.com/sharepoint/v3/contenttype/forms"/>
+  </ds:schemaRefs>
+</ds:datastoreItem>
+</file>
+
+<file path=customXml/itemProps3.xml><?xml version="1.0" encoding="utf-8"?>
 <ds:datastoreItem xmlns:ds="http://schemas.openxmlformats.org/officeDocument/2006/customXml" ds:itemID="{4415B3C4-7FB6-414C-8C24-8862C0E6C9F3}">
   <ds:schemaRefs>
     <ds:schemaRef ds:uri="http://schemas.microsoft.com/office/2006/metadata/properties"/>
@@ -12837,12 +13029,4 @@
     <ds:schemaRef ds:uri="71af3243-3dd4-4a8d-8c0d-dd76da1f02a5"/>
   </ds:schemaRefs>
 </ds:datastoreItem>
-</file>
-
-<file path=customXml/itemProps3.xml><?xml version="1.0" encoding="utf-8"?>
-<ds:datastoreItem xmlns:ds="http://schemas.openxmlformats.org/officeDocument/2006/customXml" ds:itemID="{CE12C2FA-3740-4055-BA8A-74A1458F4A51}">
-  <ds:schemaRefs>
-    <ds:schemaRef ds:uri="http://schemas.microsoft.com/sharepoint/v3/contenttype/forms"/>
-  </ds:schemaRefs>
-</ds:datastoreItem>
 </file>